--- a/Lubar/AI Education2022.pptx
+++ b/Lubar/AI Education2022.pptx
@@ -9,8 +9,9 @@
     <p:sldId id="257" r:id="rId3"/>
     <p:sldId id="258" r:id="rId4"/>
     <p:sldId id="259" r:id="rId5"/>
-    <p:sldId id="260" r:id="rId6"/>
-    <p:sldId id="261" r:id="rId7"/>
+    <p:sldId id="262" r:id="rId6"/>
+    <p:sldId id="260" r:id="rId7"/>
+    <p:sldId id="261" r:id="rId8"/>
   </p:sldIdLst>
   <p:sldSz cx="12192000" cy="6858000"/>
   <p:notesSz cx="6858000" cy="9144000"/>
@@ -109,13 +110,18 @@
       </a:defRPr>
     </a:lvl9pPr>
   </p:defaultTextStyle>
+  <p:extLst>
+    <p:ext uri="{EFAFB233-063F-42B5-8137-9DF3F51BA10A}">
+      <p15:sldGuideLst xmlns:p15="http://schemas.microsoft.com/office/powerpoint/2012/main"/>
+    </p:ext>
+  </p:extLst>
 </p:presentation>
 </file>
 
 <file path=ppt/revisionInfo.xml><?xml version="1.0" encoding="utf-8"?>
 <p1510:revInfo xmlns:a="http://schemas.openxmlformats.org/drawingml/2006/main" xmlns:r="http://schemas.openxmlformats.org/officeDocument/2006/relationships" xmlns:p1510="http://schemas.microsoft.com/office/powerpoint/2015/10/main">
   <p1510:revLst>
-    <p1510:client id="{346A4E35-3765-40DA-94C3-02686EE1394B}" v="15" dt="2021-12-16T17:14:44.145"/>
+    <p1510:client id="{346A4E35-3765-40DA-94C3-02686EE1394B}" v="16" dt="2021-12-16T17:42:04.945"/>
   </p1510:revLst>
 </p1510:revInfo>
 </file>
@@ -125,7 +131,7 @@
   <pc:docChgLst>
     <pc:chgData name="Balamurugan Balakreshnan" userId="35e9483b-bf32-4d17-a07b-837bc83be0f5" providerId="ADAL" clId="{346A4E35-3765-40DA-94C3-02686EE1394B}"/>
     <pc:docChg chg="custSel addSld modSld">
-      <pc:chgData name="Balamurugan Balakreshnan" userId="35e9483b-bf32-4d17-a07b-837bc83be0f5" providerId="ADAL" clId="{346A4E35-3765-40DA-94C3-02686EE1394B}" dt="2021-12-16T17:17:22.349" v="552" actId="26606"/>
+      <pc:chgData name="Balamurugan Balakreshnan" userId="35e9483b-bf32-4d17-a07b-837bc83be0f5" providerId="ADAL" clId="{346A4E35-3765-40DA-94C3-02686EE1394B}" dt="2021-12-16T17:42:14.508" v="674" actId="26606"/>
       <pc:docMkLst>
         <pc:docMk/>
       </pc:docMkLst>
@@ -432,6 +438,53 @@
             <pc:docMk/>
             <pc:sldMk cId="324767148" sldId="261"/>
             <ac:cxnSpMk id="19" creationId="{4AD7FFC6-42A9-49CB-B5E9-B3F6B038331B}"/>
+          </ac:cxnSpMkLst>
+        </pc:cxnChg>
+      </pc:sldChg>
+      <pc:sldChg chg="addSp modSp new mod setBg setClrOvrMap">
+        <pc:chgData name="Balamurugan Balakreshnan" userId="35e9483b-bf32-4d17-a07b-837bc83be0f5" providerId="ADAL" clId="{346A4E35-3765-40DA-94C3-02686EE1394B}" dt="2021-12-16T17:42:14.508" v="674" actId="26606"/>
+        <pc:sldMkLst>
+          <pc:docMk/>
+          <pc:sldMk cId="156100808" sldId="262"/>
+        </pc:sldMkLst>
+        <pc:spChg chg="mod">
+          <ac:chgData name="Balamurugan Balakreshnan" userId="35e9483b-bf32-4d17-a07b-837bc83be0f5" providerId="ADAL" clId="{346A4E35-3765-40DA-94C3-02686EE1394B}" dt="2021-12-16T17:42:14.508" v="674" actId="26606"/>
+          <ac:spMkLst>
+            <pc:docMk/>
+            <pc:sldMk cId="156100808" sldId="262"/>
+            <ac:spMk id="2" creationId="{19F80759-5B19-4C8F-8654-5238D0B00293}"/>
+          </ac:spMkLst>
+        </pc:spChg>
+        <pc:spChg chg="mod">
+          <ac:chgData name="Balamurugan Balakreshnan" userId="35e9483b-bf32-4d17-a07b-837bc83be0f5" providerId="ADAL" clId="{346A4E35-3765-40DA-94C3-02686EE1394B}" dt="2021-12-16T17:42:14.508" v="674" actId="26606"/>
+          <ac:spMkLst>
+            <pc:docMk/>
+            <pc:sldMk cId="156100808" sldId="262"/>
+            <ac:spMk id="3" creationId="{51AB3D00-4EE4-4ADD-8713-B41AE78EEDF1}"/>
+          </ac:spMkLst>
+        </pc:spChg>
+        <pc:spChg chg="add">
+          <ac:chgData name="Balamurugan Balakreshnan" userId="35e9483b-bf32-4d17-a07b-837bc83be0f5" providerId="ADAL" clId="{346A4E35-3765-40DA-94C3-02686EE1394B}" dt="2021-12-16T17:42:14.508" v="674" actId="26606"/>
+          <ac:spMkLst>
+            <pc:docMk/>
+            <pc:sldMk cId="156100808" sldId="262"/>
+            <ac:spMk id="9" creationId="{C5E6CFF1-2F42-4E10-9A97-F116F46F53FE}"/>
+          </ac:spMkLst>
+        </pc:spChg>
+        <pc:picChg chg="add">
+          <ac:chgData name="Balamurugan Balakreshnan" userId="35e9483b-bf32-4d17-a07b-837bc83be0f5" providerId="ADAL" clId="{346A4E35-3765-40DA-94C3-02686EE1394B}" dt="2021-12-16T17:42:14.508" v="674" actId="26606"/>
+          <ac:picMkLst>
+            <pc:docMk/>
+            <pc:sldMk cId="156100808" sldId="262"/>
+            <ac:picMk id="5" creationId="{931603ED-85EB-448A-BC56-4ADA92791B15}"/>
+          </ac:picMkLst>
+        </pc:picChg>
+        <pc:cxnChg chg="add">
+          <ac:chgData name="Balamurugan Balakreshnan" userId="35e9483b-bf32-4d17-a07b-837bc83be0f5" providerId="ADAL" clId="{346A4E35-3765-40DA-94C3-02686EE1394B}" dt="2021-12-16T17:42:14.508" v="674" actId="26606"/>
+          <ac:cxnSpMkLst>
+            <pc:docMk/>
+            <pc:sldMk cId="156100808" sldId="262"/>
+            <ac:cxnSpMk id="11" creationId="{67182200-4859-4C8D-BCBB-55B245C28BA3}"/>
           </ac:cxnSpMkLst>
         </pc:cxnChg>
       </pc:sldChg>
@@ -8682,7 +8735,7 @@
       </p:grpSpPr>
       <p:sp>
         <p:nvSpPr>
-          <p:cNvPr id="17" name="Rectangle 16">
+          <p:cNvPr id="9" name="Rectangle 8">
             <a:extLst>
               <a:ext uri="{FF2B5EF4-FFF2-40B4-BE49-F238E27FC236}">
                 <a16:creationId xmlns:a16="http://schemas.microsoft.com/office/drawing/2014/main" id="{C5E6CFF1-2F42-4E10-9A97-F116F46F53FE}"/>
@@ -8745,6 +8798,325 @@
       </p:sp>
       <p:pic>
         <p:nvPicPr>
+          <p:cNvPr id="5" name="Picture 4" descr="Angle view of circuit shaped like a brain">
+            <a:extLst>
+              <a:ext uri="{FF2B5EF4-FFF2-40B4-BE49-F238E27FC236}">
+                <a16:creationId xmlns:a16="http://schemas.microsoft.com/office/drawing/2014/main" id="{931603ED-85EB-448A-BC56-4ADA92791B15}"/>
+              </a:ext>
+            </a:extLst>
+          </p:cNvPr>
+          <p:cNvPicPr>
+            <a:picLocks noChangeAspect="1"/>
+          </p:cNvPicPr>
+          <p:nvPr/>
+        </p:nvPicPr>
+        <p:blipFill rotWithShape="1">
+          <a:blip r:embed="rId2">
+            <a:alphaModFix amt="35000"/>
+          </a:blip>
+          <a:srcRect t="19355"/>
+          <a:stretch/>
+        </p:blipFill>
+        <p:spPr>
+          <a:xfrm>
+            <a:off x="20" y="1"/>
+            <a:ext cx="12191980" cy="6857999"/>
+          </a:xfrm>
+          <a:prstGeom prst="rect">
+            <a:avLst/>
+          </a:prstGeom>
+        </p:spPr>
+      </p:pic>
+      <p:sp>
+        <p:nvSpPr>
+          <p:cNvPr id="2" name="Title 1">
+            <a:extLst>
+              <a:ext uri="{FF2B5EF4-FFF2-40B4-BE49-F238E27FC236}">
+                <a16:creationId xmlns:a16="http://schemas.microsoft.com/office/drawing/2014/main" id="{19F80759-5B19-4C8F-8654-5238D0B00293}"/>
+              </a:ext>
+            </a:extLst>
+          </p:cNvPr>
+          <p:cNvSpPr>
+            <a:spLocks noGrp="1"/>
+          </p:cNvSpPr>
+          <p:nvPr>
+            <p:ph type="title"/>
+          </p:nvPr>
+        </p:nvSpPr>
+        <p:spPr>
+          <a:xfrm>
+            <a:off x="838201" y="1065862"/>
+            <a:ext cx="3313164" cy="4726276"/>
+          </a:xfrm>
+        </p:spPr>
+        <p:txBody>
+          <a:bodyPr>
+            <a:normAutofit/>
+          </a:bodyPr>
+          <a:lstStyle/>
+          <a:p>
+            <a:pPr algn="r"/>
+            <a:r>
+              <a:rPr lang="en-US" sz="4000">
+                <a:solidFill>
+                  <a:srgbClr val="FFFFFF"/>
+                </a:solidFill>
+              </a:rPr>
+              <a:t>AI Business school</a:t>
+            </a:r>
+          </a:p>
+        </p:txBody>
+      </p:sp>
+      <p:cxnSp>
+        <p:nvCxnSpPr>
+          <p:cNvPr id="11" name="Straight Connector 10">
+            <a:extLst>
+              <a:ext uri="{FF2B5EF4-FFF2-40B4-BE49-F238E27FC236}">
+                <a16:creationId xmlns:a16="http://schemas.microsoft.com/office/drawing/2014/main" id="{67182200-4859-4C8D-BCBB-55B245C28BA3}"/>
+              </a:ext>
+              <a:ext uri="{C183D7F6-B498-43B3-948B-1728B52AA6E4}">
+                <adec:decorative xmlns:adec="http://schemas.microsoft.com/office/drawing/2017/decorative" val="1"/>
+              </a:ext>
+            </a:extLst>
+          </p:cNvPr>
+          <p:cNvCxnSpPr>
+            <a:cxnSpLocks noGrp="1" noRot="1" noChangeAspect="1" noMove="1" noResize="1" noEditPoints="1" noAdjustHandles="1" noChangeArrowheads="1" noChangeShapeType="1"/>
+          </p:cNvCxnSpPr>
+          <p:nvPr>
+            <p:extLst>
+              <p:ext uri="{386F3935-93C4-4BCD-93E2-E3B085C9AB24}">
+                <p16:designElem xmlns:p16="http://schemas.microsoft.com/office/powerpoint/2015/main" val="1"/>
+              </p:ext>
+            </p:extLst>
+          </p:nvPr>
+        </p:nvCxnSpPr>
+        <p:spPr>
+          <a:xfrm>
+            <a:off x="4653372" y="2286000"/>
+            <a:ext cx="0" cy="2286000"/>
+          </a:xfrm>
+          <a:prstGeom prst="line">
+            <a:avLst/>
+          </a:prstGeom>
+          <a:ln w="15875">
+            <a:solidFill>
+              <a:srgbClr val="FFFFFF"/>
+            </a:solidFill>
+          </a:ln>
+        </p:spPr>
+        <p:style>
+          <a:lnRef idx="1">
+            <a:schemeClr val="accent1"/>
+          </a:lnRef>
+          <a:fillRef idx="0">
+            <a:schemeClr val="accent1"/>
+          </a:fillRef>
+          <a:effectRef idx="0">
+            <a:schemeClr val="accent1"/>
+          </a:effectRef>
+          <a:fontRef idx="minor">
+            <a:schemeClr val="tx1"/>
+          </a:fontRef>
+        </p:style>
+      </p:cxnSp>
+      <p:sp>
+        <p:nvSpPr>
+          <p:cNvPr id="3" name="Content Placeholder 2">
+            <a:extLst>
+              <a:ext uri="{FF2B5EF4-FFF2-40B4-BE49-F238E27FC236}">
+                <a16:creationId xmlns:a16="http://schemas.microsoft.com/office/drawing/2014/main" id="{51AB3D00-4EE4-4ADD-8713-B41AE78EEDF1}"/>
+              </a:ext>
+            </a:extLst>
+          </p:cNvPr>
+          <p:cNvSpPr>
+            <a:spLocks noGrp="1"/>
+          </p:cNvSpPr>
+          <p:nvPr>
+            <p:ph idx="1"/>
+          </p:nvPr>
+        </p:nvSpPr>
+        <p:spPr>
+          <a:xfrm>
+            <a:off x="5155379" y="1065862"/>
+            <a:ext cx="5744685" cy="4726276"/>
+          </a:xfrm>
+        </p:spPr>
+        <p:txBody>
+          <a:bodyPr anchor="ctr">
+            <a:normAutofit/>
+          </a:bodyPr>
+          <a:lstStyle/>
+          <a:p>
+            <a:r>
+              <a:rPr lang="en-US" sz="2000" dirty="0">
+                <a:solidFill>
+                  <a:srgbClr val="FFFFFF"/>
+                </a:solidFill>
+              </a:rPr>
+              <a:t>Conversation AI</a:t>
+            </a:r>
+          </a:p>
+          <a:p>
+            <a:r>
+              <a:rPr lang="en-US" sz="2000" dirty="0">
+                <a:solidFill>
+                  <a:srgbClr val="FFFFFF"/>
+                </a:solidFill>
+              </a:rPr>
+              <a:t>AI Services</a:t>
+            </a:r>
+          </a:p>
+          <a:p>
+            <a:r>
+              <a:rPr lang="en-US" sz="2000" dirty="0">
+                <a:solidFill>
+                  <a:srgbClr val="FFFFFF"/>
+                </a:solidFill>
+              </a:rPr>
+              <a:t>Knowledge Mining</a:t>
+            </a:r>
+          </a:p>
+          <a:p>
+            <a:r>
+              <a:rPr lang="en-US" sz="2000" dirty="0">
+                <a:solidFill>
+                  <a:srgbClr val="FFFFFF"/>
+                </a:solidFill>
+              </a:rPr>
+              <a:t>Autonomous Systems</a:t>
+            </a:r>
+          </a:p>
+          <a:p>
+            <a:r>
+              <a:rPr lang="en-US" sz="2000" dirty="0">
+                <a:solidFill>
+                  <a:srgbClr val="FFFFFF"/>
+                </a:solidFill>
+              </a:rPr>
+              <a:t>Responsible AI</a:t>
+            </a:r>
+          </a:p>
+          <a:p>
+            <a:r>
+              <a:rPr lang="en-US" sz="2000" dirty="0">
+                <a:solidFill>
+                  <a:srgbClr val="FFFFFF"/>
+                </a:solidFill>
+                <a:hlinkClick r:id="rId3"/>
+              </a:rPr>
+              <a:t>Link</a:t>
+            </a:r>
+            <a:endParaRPr lang="en-US" sz="2000" dirty="0">
+              <a:solidFill>
+                <a:srgbClr val="FFFFFF"/>
+              </a:solidFill>
+            </a:endParaRPr>
+          </a:p>
+        </p:txBody>
+      </p:sp>
+    </p:spTree>
+    <p:extLst>
+      <p:ext uri="{BB962C8B-B14F-4D97-AF65-F5344CB8AC3E}">
+        <p14:creationId xmlns:p14="http://schemas.microsoft.com/office/powerpoint/2010/main" val="156100808"/>
+      </p:ext>
+    </p:extLst>
+  </p:cSld>
+  <p:clrMapOvr>
+    <a:overrideClrMapping bg1="dk1" tx1="lt1" bg2="dk2" tx2="lt2" accent1="accent1" accent2="accent2" accent3="accent3" accent4="accent4" accent5="accent5" accent6="accent6" hlink="hlink" folHlink="folHlink"/>
+  </p:clrMapOvr>
+</p:sld>
+</file>
+
+<file path=ppt/slides/slide6.xml><?xml version="1.0" encoding="utf-8"?>
+<p:sld xmlns:a="http://schemas.openxmlformats.org/drawingml/2006/main" xmlns:r="http://schemas.openxmlformats.org/officeDocument/2006/relationships" xmlns:p="http://schemas.openxmlformats.org/presentationml/2006/main">
+  <p:cSld>
+    <p:bg>
+      <p:bgPr>
+        <a:solidFill>
+          <a:schemeClr val="bg1"/>
+        </a:solidFill>
+        <a:effectLst/>
+      </p:bgPr>
+    </p:bg>
+    <p:spTree>
+      <p:nvGrpSpPr>
+        <p:cNvPr id="1" name=""/>
+        <p:cNvGrpSpPr/>
+        <p:nvPr/>
+      </p:nvGrpSpPr>
+      <p:grpSpPr>
+        <a:xfrm>
+          <a:off x="0" y="0"/>
+          <a:ext cx="0" cy="0"/>
+          <a:chOff x="0" y="0"/>
+          <a:chExt cx="0" cy="0"/>
+        </a:xfrm>
+      </p:grpSpPr>
+      <p:sp>
+        <p:nvSpPr>
+          <p:cNvPr id="17" name="Rectangle 16">
+            <a:extLst>
+              <a:ext uri="{FF2B5EF4-FFF2-40B4-BE49-F238E27FC236}">
+                <a16:creationId xmlns:a16="http://schemas.microsoft.com/office/drawing/2014/main" id="{C5E6CFF1-2F42-4E10-9A97-F116F46F53FE}"/>
+              </a:ext>
+              <a:ext uri="{C183D7F6-B498-43B3-948B-1728B52AA6E4}">
+                <adec:decorative xmlns:adec="http://schemas.microsoft.com/office/drawing/2017/decorative" val="1"/>
+              </a:ext>
+            </a:extLst>
+          </p:cNvPr>
+          <p:cNvSpPr>
+            <a:spLocks noGrp="1" noRot="1" noChangeAspect="1" noMove="1" noResize="1" noEditPoints="1" noAdjustHandles="1" noChangeArrowheads="1" noChangeShapeType="1" noTextEdit="1"/>
+          </p:cNvSpPr>
+          <p:nvPr>
+            <p:extLst>
+              <p:ext uri="{386F3935-93C4-4BCD-93E2-E3B085C9AB24}">
+                <p16:designElem xmlns:p16="http://schemas.microsoft.com/office/powerpoint/2015/main" val="1"/>
+              </p:ext>
+            </p:extLst>
+          </p:nvPr>
+        </p:nvSpPr>
+        <p:spPr>
+          <a:xfrm>
+            <a:off x="0" y="0"/>
+            <a:ext cx="12192000" cy="6858000"/>
+          </a:xfrm>
+          <a:prstGeom prst="rect">
+            <a:avLst/>
+          </a:prstGeom>
+          <a:solidFill>
+            <a:srgbClr val="000000"/>
+          </a:solidFill>
+          <a:ln>
+            <a:noFill/>
+          </a:ln>
+        </p:spPr>
+        <p:style>
+          <a:lnRef idx="2">
+            <a:schemeClr val="accent1">
+              <a:shade val="50000"/>
+            </a:schemeClr>
+          </a:lnRef>
+          <a:fillRef idx="1">
+            <a:schemeClr val="accent1"/>
+          </a:fillRef>
+          <a:effectRef idx="0">
+            <a:schemeClr val="accent1"/>
+          </a:effectRef>
+          <a:fontRef idx="minor">
+            <a:schemeClr val="lt1"/>
+          </a:fontRef>
+        </p:style>
+        <p:txBody>
+          <a:bodyPr rtlCol="0" anchor="ctr"/>
+          <a:lstStyle/>
+          <a:p>
+            <a:pPr algn="ctr"/>
+            <a:endParaRPr lang="en-US"/>
+          </a:p>
+        </p:txBody>
+      </p:sp>
+      <p:pic>
+        <p:nvPicPr>
           <p:cNvPr id="13" name="Picture 12">
             <a:extLst>
               <a:ext uri="{FF2B5EF4-FFF2-40B4-BE49-F238E27FC236}">
@@ -8910,7 +9282,7 @@
 </p:sld>
 </file>
 
-<file path=ppt/slides/slide6.xml><?xml version="1.0" encoding="utf-8"?>
+<file path=ppt/slides/slide7.xml><?xml version="1.0" encoding="utf-8"?>
 <p:sld xmlns:a="http://schemas.openxmlformats.org/drawingml/2006/main" xmlns:r="http://schemas.openxmlformats.org/officeDocument/2006/relationships" xmlns:p="http://schemas.openxmlformats.org/presentationml/2006/main">
   <p:cSld>
     <p:bg>
